--- a/TG2_Miguel (Coordinador).pptx
+++ b/TG2_Miguel (Coordinador).pptx
@@ -6,13 +6,14 @@
   </p:sldMasterIdLst>
   <p:sldIdLst>
     <p:sldId id="256" r:id="rId2"/>
-    <p:sldId id="259" r:id="rId3"/>
-    <p:sldId id="257" r:id="rId4"/>
-    <p:sldId id="258" r:id="rId5"/>
-    <p:sldId id="260" r:id="rId6"/>
-    <p:sldId id="261" r:id="rId7"/>
-    <p:sldId id="262" r:id="rId8"/>
-    <p:sldId id="263" r:id="rId9"/>
+    <p:sldId id="264" r:id="rId3"/>
+    <p:sldId id="259" r:id="rId4"/>
+    <p:sldId id="257" r:id="rId5"/>
+    <p:sldId id="258" r:id="rId6"/>
+    <p:sldId id="260" r:id="rId7"/>
+    <p:sldId id="261" r:id="rId8"/>
+    <p:sldId id="262" r:id="rId9"/>
+    <p:sldId id="263" r:id="rId10"/>
   </p:sldIdLst>
   <p:sldSz cx="9144000" cy="6858000" type="screen4x3"/>
   <p:notesSz cx="6858000" cy="9144000"/>
@@ -4037,6 +4038,121 @@
         </p:nvSpPr>
         <p:spPr>
           <a:xfrm>
+            <a:off x="395536" y="188640"/>
+            <a:ext cx="8229600" cy="780696"/>
+          </a:xfrm>
+        </p:spPr>
+        <p:txBody>
+          <a:bodyPr>
+            <a:normAutofit fontScale="90000"/>
+          </a:bodyPr>
+          <a:lstStyle/>
+          <a:p>
+            <a:pPr algn="ctr"/>
+            <a:r>
+              <a:rPr lang="es-ES" dirty="0" smtClean="0"/>
+              <a:t>Planificación</a:t>
+            </a:r>
+            <a:endParaRPr lang="es-ES" dirty="0"/>
+          </a:p>
+        </p:txBody>
+      </p:sp>
+      <p:pic>
+        <p:nvPicPr>
+          <p:cNvPr id="1026" name="Picture 2"/>
+          <p:cNvPicPr>
+            <a:picLocks noChangeAspect="1" noChangeArrowheads="1"/>
+          </p:cNvPicPr>
+          <p:nvPr/>
+        </p:nvPicPr>
+        <p:blipFill>
+          <a:blip r:embed="rId2">
+            <a:extLst>
+              <a:ext uri="{28A0092B-C50C-407E-A947-70E740481C1C}">
+                <a14:useLocalDpi xmlns:a14="http://schemas.microsoft.com/office/drawing/2010/main" val="0"/>
+              </a:ext>
+            </a:extLst>
+          </a:blip>
+          <a:srcRect/>
+          <a:stretch>
+            <a:fillRect/>
+          </a:stretch>
+        </p:blipFill>
+        <p:spPr bwMode="auto">
+          <a:xfrm>
+            <a:off x="1187624" y="980728"/>
+            <a:ext cx="6768752" cy="5543212"/>
+          </a:xfrm>
+          <a:prstGeom prst="rect">
+            <a:avLst/>
+          </a:prstGeom>
+          <a:noFill/>
+          <a:ln>
+            <a:noFill/>
+          </a:ln>
+          <a:extLst>
+            <a:ext uri="{909E8E84-426E-40DD-AFC4-6F175D3DCCD1}">
+              <a14:hiddenFill xmlns:a14="http://schemas.microsoft.com/office/drawing/2010/main">
+                <a:solidFill>
+                  <a:schemeClr val="accent1"/>
+                </a:solidFill>
+              </a14:hiddenFill>
+            </a:ext>
+            <a:ext uri="{91240B29-F687-4F45-9708-019B960494DF}">
+              <a14:hiddenLine xmlns:a14="http://schemas.microsoft.com/office/drawing/2010/main" w="9525">
+                <a:solidFill>
+                  <a:schemeClr val="tx1"/>
+                </a:solidFill>
+                <a:miter lim="800000"/>
+                <a:headEnd/>
+                <a:tailEnd/>
+              </a14:hiddenLine>
+            </a:ext>
+          </a:extLst>
+        </p:spPr>
+      </p:pic>
+    </p:spTree>
+    <p:extLst>
+      <p:ext uri="{BB962C8B-B14F-4D97-AF65-F5344CB8AC3E}">
+        <p14:creationId xmlns:p14="http://schemas.microsoft.com/office/powerpoint/2010/main" val="1491452267"/>
+      </p:ext>
+    </p:extLst>
+  </p:cSld>
+  <p:clrMapOvr>
+    <a:masterClrMapping/>
+  </p:clrMapOvr>
+</p:sld>
+</file>
+
+<file path=ppt/slides/slide3.xml><?xml version="1.0" encoding="utf-8"?>
+<p:sld xmlns:a="http://schemas.openxmlformats.org/drawingml/2006/main" xmlns:r="http://schemas.openxmlformats.org/officeDocument/2006/relationships" xmlns:p="http://schemas.openxmlformats.org/presentationml/2006/main">
+  <p:cSld>
+    <p:spTree>
+      <p:nvGrpSpPr>
+        <p:cNvPr id="1" name=""/>
+        <p:cNvGrpSpPr/>
+        <p:nvPr/>
+      </p:nvGrpSpPr>
+      <p:grpSpPr>
+        <a:xfrm>
+          <a:off x="0" y="0"/>
+          <a:ext cx="0" cy="0"/>
+          <a:chOff x="0" y="0"/>
+          <a:chExt cx="0" cy="0"/>
+        </a:xfrm>
+      </p:grpSpPr>
+      <p:sp>
+        <p:nvSpPr>
+          <p:cNvPr id="2" name="1 Título"/>
+          <p:cNvSpPr>
+            <a:spLocks noGrp="1"/>
+          </p:cNvSpPr>
+          <p:nvPr>
+            <p:ph type="title"/>
+          </p:nvPr>
+        </p:nvSpPr>
+        <p:spPr>
+          <a:xfrm>
             <a:off x="457200" y="704088"/>
             <a:ext cx="8229600" cy="1860816"/>
           </a:xfrm>
@@ -4050,7 +4166,11 @@
             <a:pPr algn="ctr"/>
             <a:r>
               <a:rPr lang="es-ES" dirty="0" smtClean="0"/>
-              <a:t>Descripción de las tecnologías: Ionic</a:t>
+              <a:t>Descripción de las tecnologías: </a:t>
+            </a:r>
+            <a:r>
+              <a:rPr lang="es-ES" dirty="0" err="1" smtClean="0"/>
+              <a:t>Ionic</a:t>
             </a:r>
             <a:endParaRPr lang="es-ES" dirty="0"/>
           </a:p>
@@ -4070,7 +4190,7 @@
           <a:blip r:embed="rId2" cstate="print">
             <a:extLst>
               <a:ext uri="{28A0092B-C50C-407E-A947-70E740481C1C}">
-                <a14:useLocalDpi xmlns:lc="http://schemas.openxmlformats.org/drawingml/2006/lockedCanvas" xmlns:pic="http://schemas.openxmlformats.org/drawingml/2006/picture" xmlns:a14="http://schemas.microsoft.com/office/drawing/2010/main" xmlns:wps="http://schemas.microsoft.com/office/word/2010/wordprocessingShape" xmlns:wpi="http://schemas.microsoft.com/office/word/2010/wordprocessingInk" xmlns:wpg="http://schemas.microsoft.com/office/word/2010/wordprocessingGroup" xmlns:w14="http://schemas.microsoft.com/office/word/2010/wordml" xmlns:w="http://schemas.openxmlformats.org/wordprocessingml/2006/main" xmlns:w10="urn:schemas-microsoft-com:office:word" xmlns:wp14="http://schemas.microsoft.com/office/word/2010/wordprocessingDrawing" xmlns:v="urn:schemas-microsoft-com:vml" xmlns:o="urn:schemas-microsoft-com:office:office" xmlns:mc="http://schemas.openxmlformats.org/markup-compatibility/2006" xmlns:wpc="http://schemas.microsoft.com/office/word/2010/wordprocessingCanvas" xmlns="" xmlns:wne="http://schemas.microsoft.com/office/word/2006/wordml" xmlns:wp="http://schemas.openxmlformats.org/drawingml/2006/wordprocessingDrawing" xmlns:m="http://schemas.openxmlformats.org/officeDocument/2006/math" xmlns:ve="http://schemas.openxmlformats.org/markup-compatibility/2006" val="0"/>
+                <a14:useLocalDpi xmlns:a14="http://schemas.microsoft.com/office/drawing/2010/main" val="0"/>
               </a:ext>
             </a:extLst>
           </a:blip>
@@ -4101,276 +4221,6 @@
 </p:sld>
 </file>
 
-<file path=ppt/slides/slide3.xml><?xml version="1.0" encoding="utf-8"?>
-<p:sld xmlns:a="http://schemas.openxmlformats.org/drawingml/2006/main" xmlns:r="http://schemas.openxmlformats.org/officeDocument/2006/relationships" xmlns:p="http://schemas.openxmlformats.org/presentationml/2006/main">
-  <p:cSld>
-    <p:spTree>
-      <p:nvGrpSpPr>
-        <p:cNvPr id="1" name=""/>
-        <p:cNvGrpSpPr/>
-        <p:nvPr/>
-      </p:nvGrpSpPr>
-      <p:grpSpPr>
-        <a:xfrm>
-          <a:off x="0" y="0"/>
-          <a:ext cx="0" cy="0"/>
-          <a:chOff x="0" y="0"/>
-          <a:chExt cx="0" cy="0"/>
-        </a:xfrm>
-      </p:grpSpPr>
-      <p:sp>
-        <p:nvSpPr>
-          <p:cNvPr id="4" name="3 Título"/>
-          <p:cNvSpPr>
-            <a:spLocks noGrp="1"/>
-          </p:cNvSpPr>
-          <p:nvPr>
-            <p:ph type="title"/>
-          </p:nvPr>
-        </p:nvSpPr>
-        <p:spPr>
-          <a:xfrm>
-            <a:off x="395536" y="548680"/>
-            <a:ext cx="8229600" cy="926976"/>
-          </a:xfrm>
-        </p:spPr>
-        <p:txBody>
-          <a:bodyPr>
-            <a:normAutofit/>
-          </a:bodyPr>
-          <a:lstStyle/>
-          <a:p>
-            <a:r>
-              <a:rPr lang="es-ES" dirty="0" smtClean="0"/>
-              <a:t>Ionic</a:t>
-            </a:r>
-            <a:endParaRPr lang="es-ES" dirty="0"/>
-          </a:p>
-        </p:txBody>
-      </p:sp>
-      <p:sp>
-        <p:nvSpPr>
-          <p:cNvPr id="5" name="4 Marcador de contenido"/>
-          <p:cNvSpPr>
-            <a:spLocks noGrp="1"/>
-          </p:cNvSpPr>
-          <p:nvPr>
-            <p:ph idx="1"/>
-          </p:nvPr>
-        </p:nvSpPr>
-        <p:spPr>
-          <a:xfrm>
-            <a:off x="467544" y="1484784"/>
-            <a:ext cx="8229600" cy="4824536"/>
-          </a:xfrm>
-        </p:spPr>
-        <p:txBody>
-          <a:bodyPr>
-            <a:normAutofit lnSpcReduction="10000"/>
-          </a:bodyPr>
-          <a:lstStyle/>
-          <a:p>
-            <a:pPr>
-              <a:lnSpc>
-                <a:spcPct val="150000"/>
-              </a:lnSpc>
-            </a:pPr>
-            <a:r>
-              <a:rPr lang="es-ES" sz="1800" dirty="0" smtClean="0"/>
-              <a:t>Herramienta de código abierto para desarrollo de aplicaciones móvil nativas e híbridas </a:t>
-            </a:r>
-            <a:endParaRPr lang="es-ES" sz="1800" b="1" dirty="0" smtClean="0">
-              <a:solidFill>
-                <a:schemeClr val="accent2">
-                  <a:lumMod val="75000"/>
-                </a:schemeClr>
-              </a:solidFill>
-            </a:endParaRPr>
-          </a:p>
-          <a:p>
-            <a:pPr>
-              <a:lnSpc>
-                <a:spcPct val="150000"/>
-              </a:lnSpc>
-            </a:pPr>
-            <a:r>
-              <a:rPr lang="es-ES" sz="1800" dirty="0" smtClean="0"/>
-              <a:t>Es un MVC (</a:t>
-            </a:r>
-            <a:r>
-              <a:rPr lang="es-ES" sz="1800" dirty="0" err="1" smtClean="0"/>
-              <a:t>Model</a:t>
-            </a:r>
-            <a:r>
-              <a:rPr lang="es-ES" sz="1800" dirty="0" smtClean="0"/>
-              <a:t>-View-</a:t>
-            </a:r>
-            <a:r>
-              <a:rPr lang="es-ES" sz="1800" dirty="0" err="1" smtClean="0"/>
-              <a:t>Controller</a:t>
-            </a:r>
-            <a:r>
-              <a:rPr lang="es-ES" sz="1800" dirty="0" smtClean="0"/>
-              <a:t> o Modelo-Vista-Controlador)</a:t>
-            </a:r>
-            <a:r>
-              <a:rPr lang="es-ES" sz="1800" dirty="0" smtClean="0">
-                <a:sym typeface="Wingdings" pitchFamily="2" charset="2"/>
-              </a:rPr>
-              <a:t> </a:t>
-            </a:r>
-            <a:r>
-              <a:rPr lang="es-ES" sz="1800" dirty="0" smtClean="0"/>
-              <a:t>separa Datos-Lógica-Interfaces de usuario:</a:t>
-            </a:r>
-          </a:p>
-          <a:p>
-            <a:pPr lvl="1"/>
-            <a:r>
-              <a:rPr lang="es-ES" sz="1600" b="1" dirty="0" smtClean="0"/>
-              <a:t>Modelo:</a:t>
-            </a:r>
-            <a:r>
-              <a:rPr lang="es-ES" sz="1600" dirty="0" smtClean="0"/>
-              <a:t> (Capa datos) realiza peticiones a BBDD de la </a:t>
-            </a:r>
-            <a:r>
-              <a:rPr lang="es-ES" sz="1600" dirty="0" err="1" smtClean="0"/>
-              <a:t>ap</a:t>
-            </a:r>
-            <a:r>
-              <a:rPr lang="es-ES" sz="1600" dirty="0" smtClean="0"/>
-              <a:t> o servidor externo para enviar/recibir información. </a:t>
-            </a:r>
-          </a:p>
-          <a:p>
-            <a:pPr lvl="1"/>
-            <a:r>
-              <a:rPr lang="es-ES" sz="1600" b="1" dirty="0" smtClean="0"/>
-              <a:t>Vista:</a:t>
-            </a:r>
-            <a:r>
-              <a:rPr lang="es-ES" sz="1600" dirty="0" smtClean="0"/>
-              <a:t> Código para la presentación de datos que el modelo nos proporciona.</a:t>
-            </a:r>
-          </a:p>
-          <a:p>
-            <a:pPr lvl="1"/>
-            <a:r>
-              <a:rPr lang="es-ES" sz="1600" b="1" dirty="0" smtClean="0"/>
-              <a:t>Controlador:</a:t>
-            </a:r>
-            <a:r>
-              <a:rPr lang="es-ES" sz="1600" dirty="0" smtClean="0"/>
-              <a:t> Enlace Vista-Modelo. Envía comandos:</a:t>
-            </a:r>
-          </a:p>
-          <a:p>
-            <a:pPr lvl="2"/>
-            <a:r>
-              <a:rPr lang="es-ES" sz="1300" dirty="0" smtClean="0"/>
-              <a:t>al modelo para actualizar su estado</a:t>
-            </a:r>
-          </a:p>
-          <a:p>
-            <a:pPr lvl="2"/>
-            <a:r>
-              <a:rPr lang="es-ES" sz="1300" dirty="0" smtClean="0"/>
-              <a:t>a la vista correspondiente para cambiar su presentación.</a:t>
-            </a:r>
-          </a:p>
-          <a:p>
-            <a:r>
-              <a:rPr lang="es-ES" sz="1800" dirty="0" smtClean="0"/>
-              <a:t>Compuesto por dos partes:</a:t>
-            </a:r>
-          </a:p>
-          <a:p>
-            <a:pPr lvl="1"/>
-            <a:r>
-              <a:rPr lang="es-ES" sz="1600" b="1" dirty="0" err="1" smtClean="0"/>
-              <a:t>Sass</a:t>
-            </a:r>
-            <a:r>
-              <a:rPr lang="es-ES" sz="1600" dirty="0" smtClean="0"/>
-              <a:t>, preprocesador CSS, que permite trabajar con elementos CSS y encargado de darle estilo a nuestras aplicaciones.</a:t>
-            </a:r>
-          </a:p>
-          <a:p>
-            <a:pPr lvl="1"/>
-            <a:r>
-              <a:rPr lang="es-ES" sz="1600" b="1" dirty="0" smtClean="0"/>
-              <a:t>AngularJS</a:t>
-            </a:r>
-            <a:r>
-              <a:rPr lang="es-ES" sz="1600" dirty="0" smtClean="0"/>
-              <a:t>, permite optimizar el </a:t>
-            </a:r>
-            <a:r>
-              <a:rPr lang="es-ES" sz="1600" dirty="0" err="1" smtClean="0"/>
-              <a:t>Sass</a:t>
-            </a:r>
-            <a:r>
-              <a:rPr lang="es-ES" sz="1600" dirty="0" smtClean="0"/>
-              <a:t> y crear todos los componentes que se generan a través de </a:t>
-            </a:r>
-            <a:r>
-              <a:rPr lang="es-ES" sz="1600" dirty="0" smtClean="0">
-                <a:hlinkClick r:id="rId2" tooltip="Directivas en AngularJS"/>
-              </a:rPr>
-              <a:t>directivas</a:t>
-            </a:r>
-            <a:r>
-              <a:rPr lang="es-ES" sz="1600" dirty="0" smtClean="0"/>
-              <a:t>, </a:t>
-            </a:r>
-            <a:r>
-              <a:rPr lang="es-ES" sz="1600" dirty="0" smtClean="0">
-                <a:hlinkClick r:id="rId3" tooltip="Consumir datos con factorías y servicios en AngularJS"/>
-              </a:rPr>
-              <a:t>factorías</a:t>
-            </a:r>
-            <a:r>
-              <a:rPr lang="es-ES" sz="1600" dirty="0" smtClean="0"/>
-              <a:t> o </a:t>
-            </a:r>
-            <a:r>
-              <a:rPr lang="es-ES" sz="1600" dirty="0" smtClean="0">
-                <a:hlinkClick r:id="rId4" tooltip="Consumir json con AngularJS con $resources y $http"/>
-              </a:rPr>
-              <a:t>servicios</a:t>
-            </a:r>
-            <a:r>
-              <a:rPr lang="es-ES" sz="1600" dirty="0" smtClean="0"/>
-              <a:t>, que permite trabajar con el máximo potencial, lo que asegura aplicaciones rápidas y escalables</a:t>
-            </a:r>
-          </a:p>
-          <a:p>
-            <a:endParaRPr lang="es-ES" sz="1800" b="1" dirty="0">
-              <a:solidFill>
-                <a:schemeClr val="accent2">
-                  <a:lumMod val="75000"/>
-                </a:schemeClr>
-              </a:solidFill>
-            </a:endParaRPr>
-          </a:p>
-        </p:txBody>
-      </p:sp>
-    </p:spTree>
-  </p:cSld>
-  <p:clrMapOvr>
-    <a:masterClrMapping/>
-  </p:clrMapOvr>
-  <p:timing>
-    <p:tnLst>
-      <p:par>
-        <p:cTn id="1" dur="indefinite" restart="never" nodeType="tmRoot"/>
-      </p:par>
-    </p:tnLst>
-  </p:timing>
-</p:sld>
-</file>
-
 <file path=ppt/slides/slide4.xml><?xml version="1.0" encoding="utf-8"?>
 <p:sld xmlns:a="http://schemas.openxmlformats.org/drawingml/2006/main" xmlns:r="http://schemas.openxmlformats.org/officeDocument/2006/relationships" xmlns:p="http://schemas.openxmlformats.org/presentationml/2006/main">
   <p:cSld>
@@ -4400,8 +4250,8 @@
         </p:nvSpPr>
         <p:spPr>
           <a:xfrm>
-            <a:off x="467544" y="476672"/>
-            <a:ext cx="8229600" cy="866360"/>
+            <a:off x="395536" y="548680"/>
+            <a:ext cx="8229600" cy="926976"/>
           </a:xfrm>
         </p:spPr>
         <p:txBody>
@@ -4411,10 +4261,10 @@
           <a:lstStyle/>
           <a:p>
             <a:r>
-              <a:rPr lang="es-ES" sz="4500" dirty="0" smtClean="0"/>
-              <a:t>Principales características</a:t>
-            </a:r>
-            <a:endParaRPr lang="es-ES" sz="4500" dirty="0"/>
+              <a:rPr lang="es-ES" dirty="0" err="1" smtClean="0"/>
+              <a:t>Ionic</a:t>
+            </a:r>
+            <a:endParaRPr lang="es-ES" dirty="0"/>
           </a:p>
         </p:txBody>
       </p:sp>
@@ -4430,7 +4280,7 @@
         </p:nvSpPr>
         <p:spPr>
           <a:xfrm>
-            <a:off x="457200" y="1412776"/>
+            <a:off x="467544" y="1484784"/>
             <a:ext cx="8229600" cy="4824536"/>
           </a:xfrm>
         </p:spPr>
@@ -4446,49 +4296,16 @@
               </a:lnSpc>
             </a:pPr>
             <a:r>
-              <a:rPr lang="es-ES" sz="1800" b="1" dirty="0" smtClean="0"/>
-              <a:t>Alto rendimiento </a:t>
-            </a:r>
-            <a:r>
-              <a:rPr lang="es-ES" sz="1800" b="1" dirty="0" smtClean="0">
-                <a:sym typeface="Wingdings" pitchFamily="2" charset="2"/>
-              </a:rPr>
-              <a:t> </a:t>
-            </a:r>
-            <a:r>
               <a:rPr lang="es-ES" sz="1800" dirty="0" smtClean="0"/>
-              <a:t>mínima manipulación del DOM, con cero </a:t>
-            </a:r>
-            <a:r>
-              <a:rPr lang="es-ES" sz="1800" dirty="0" err="1" smtClean="0"/>
-              <a:t>jQuery</a:t>
-            </a:r>
-            <a:r>
-              <a:rPr lang="es-ES" sz="1800" dirty="0" smtClean="0"/>
-              <a:t> y transiciones aceleradas por hardware, </a:t>
-            </a:r>
-            <a:r>
-              <a:rPr lang="es-ES" sz="1800" dirty="0" smtClean="0">
-                <a:solidFill>
-                  <a:schemeClr val="accent1">
-                    <a:lumMod val="75000"/>
-                  </a:schemeClr>
-                </a:solidFill>
-              </a:rPr>
-              <a:t>rápido</a:t>
-            </a:r>
-            <a:r>
-              <a:rPr lang="es-ES" sz="1800" dirty="0" smtClean="0"/>
-              <a:t> y trasladar esta rapidez a sus </a:t>
-            </a:r>
-            <a:r>
-              <a:rPr lang="es-ES" sz="1800" dirty="0" err="1" smtClean="0"/>
-              <a:t>apps</a:t>
-            </a:r>
-            <a:r>
-              <a:rPr lang="es-ES" sz="1800" dirty="0" smtClean="0"/>
-              <a:t>.</a:t>
-            </a:r>
+              <a:t>Herramienta de código abierto para desarrollo de aplicaciones móvil nativas e híbridas </a:t>
+            </a:r>
+            <a:endParaRPr lang="es-ES" sz="1800" b="1" dirty="0" smtClean="0">
+              <a:solidFill>
+                <a:schemeClr val="accent2">
+                  <a:lumMod val="75000"/>
+                </a:schemeClr>
+              </a:solidFill>
+            </a:endParaRPr>
           </a:p>
           <a:p>
             <a:pPr>
@@ -4497,179 +4314,165 @@
               </a:lnSpc>
             </a:pPr>
             <a:r>
-              <a:rPr lang="es-ES" sz="1800" b="1" dirty="0" smtClean="0"/>
-              <a:t>AngularJS &amp; Ionic </a:t>
-            </a:r>
-            <a:r>
-              <a:rPr lang="es-ES" sz="1800" b="1" dirty="0" smtClean="0">
+              <a:rPr lang="es-ES" sz="1800" dirty="0" smtClean="0"/>
+              <a:t>Es un MVC (</a:t>
+            </a:r>
+            <a:r>
+              <a:rPr lang="es-ES" sz="1800" dirty="0" err="1" smtClean="0"/>
+              <a:t>Model</a:t>
+            </a:r>
+            <a:r>
+              <a:rPr lang="es-ES" sz="1800" dirty="0" smtClean="0"/>
+              <a:t>-View-</a:t>
+            </a:r>
+            <a:r>
+              <a:rPr lang="es-ES" sz="1800" dirty="0" err="1" smtClean="0"/>
+              <a:t>Controller</a:t>
+            </a:r>
+            <a:r>
+              <a:rPr lang="es-ES" sz="1800" dirty="0" smtClean="0"/>
+              <a:t> o Modelo-Vista-Controlador)</a:t>
+            </a:r>
+            <a:r>
+              <a:rPr lang="es-ES" sz="1800" dirty="0" smtClean="0">
                 <a:sym typeface="Wingdings" pitchFamily="2" charset="2"/>
               </a:rPr>
               <a:t> </a:t>
             </a:r>
             <a:r>
               <a:rPr lang="es-ES" sz="1800" dirty="0" smtClean="0"/>
-              <a:t>hace que Ionic presente una </a:t>
-            </a:r>
-            <a:r>
-              <a:rPr lang="es-ES" sz="1800" dirty="0" smtClean="0">
-                <a:solidFill>
-                  <a:schemeClr val="accent1">
-                    <a:lumMod val="75000"/>
-                  </a:schemeClr>
-                </a:solidFill>
+              <a:t>separa Datos-Lógica-Interfaces de usuario:</a:t>
+            </a:r>
+          </a:p>
+          <a:p>
+            <a:pPr lvl="1"/>
+            <a:r>
+              <a:rPr lang="es-ES" sz="1600" b="1" dirty="0" smtClean="0"/>
+              <a:t>Modelo:</a:t>
+            </a:r>
+            <a:r>
+              <a:rPr lang="es-ES" sz="1600" dirty="0" smtClean="0"/>
+              <a:t> (Capa datos) realiza peticiones a BBDD de la </a:t>
+            </a:r>
+            <a:r>
+              <a:rPr lang="es-ES" sz="1600" dirty="0" err="1" smtClean="0"/>
+              <a:t>ap</a:t>
+            </a:r>
+            <a:r>
+              <a:rPr lang="es-ES" sz="1600" dirty="0" smtClean="0"/>
+              <a:t> o servidor externo para enviar/recibir información. </a:t>
+            </a:r>
+          </a:p>
+          <a:p>
+            <a:pPr lvl="1"/>
+            <a:r>
+              <a:rPr lang="es-ES" sz="1600" b="1" dirty="0" smtClean="0"/>
+              <a:t>Vista:</a:t>
+            </a:r>
+            <a:r>
+              <a:rPr lang="es-ES" sz="1600" dirty="0" smtClean="0"/>
+              <a:t> Código para la presentación de datos que el modelo nos proporciona.</a:t>
+            </a:r>
+          </a:p>
+          <a:p>
+            <a:pPr lvl="1"/>
+            <a:r>
+              <a:rPr lang="es-ES" sz="1600" b="1" dirty="0" smtClean="0"/>
+              <a:t>Controlador:</a:t>
+            </a:r>
+            <a:r>
+              <a:rPr lang="es-ES" sz="1600" dirty="0" smtClean="0"/>
+              <a:t> Enlace Vista-Modelo. Envía comandos:</a:t>
+            </a:r>
+          </a:p>
+          <a:p>
+            <a:pPr lvl="2"/>
+            <a:r>
+              <a:rPr lang="es-ES" sz="1300" dirty="0" smtClean="0"/>
+              <a:t>al modelo para actualizar su estado</a:t>
+            </a:r>
+          </a:p>
+          <a:p>
+            <a:pPr lvl="2"/>
+            <a:r>
+              <a:rPr lang="es-ES" sz="1300" dirty="0" smtClean="0"/>
+              <a:t>a la vista correspondiente para cambiar su presentación.</a:t>
+            </a:r>
+          </a:p>
+          <a:p>
+            <a:r>
+              <a:rPr lang="es-ES" sz="1800" dirty="0" smtClean="0"/>
+              <a:t>Compuesto por dos partes:</a:t>
+            </a:r>
+          </a:p>
+          <a:p>
+            <a:pPr lvl="1"/>
+            <a:r>
+              <a:rPr lang="es-ES" sz="1600" b="1" dirty="0" err="1" smtClean="0"/>
+              <a:t>Sass</a:t>
+            </a:r>
+            <a:r>
+              <a:rPr lang="es-ES" sz="1600" dirty="0" smtClean="0"/>
+              <a:t>, preprocesador CSS, que permite trabajar con elementos CSS y encargado de darle estilo a nuestras aplicaciones.</a:t>
+            </a:r>
+          </a:p>
+          <a:p>
+            <a:pPr lvl="1"/>
+            <a:r>
+              <a:rPr lang="es-ES" sz="1600" b="1" dirty="0" err="1" smtClean="0"/>
+              <a:t>AngularJS</a:t>
+            </a:r>
+            <a:r>
+              <a:rPr lang="es-ES" sz="1600" dirty="0" smtClean="0"/>
+              <a:t>, permite optimizar el </a:t>
+            </a:r>
+            <a:r>
+              <a:rPr lang="es-ES" sz="1600" dirty="0" err="1" smtClean="0"/>
+              <a:t>Sass</a:t>
+            </a:r>
+            <a:r>
+              <a:rPr lang="es-ES" sz="1600" dirty="0" smtClean="0"/>
+              <a:t> y crear todos los componentes que se generan a través de </a:t>
+            </a:r>
+            <a:r>
+              <a:rPr lang="es-ES" sz="1600" dirty="0" smtClean="0">
+                <a:hlinkClick r:id="rId2" tooltip="Directivas en AngularJS"/>
               </a:rPr>
-              <a:t>arquitectura central robusta</a:t>
-            </a:r>
-            <a:r>
-              <a:rPr lang="es-ES" sz="1800" dirty="0" smtClean="0"/>
-              <a:t> y profesional para el desarrollo de aplicaciones, ricas y robustas.</a:t>
-            </a:r>
-          </a:p>
-          <a:p>
-            <a:pPr>
-              <a:lnSpc>
-                <a:spcPct val="150000"/>
-              </a:lnSpc>
-            </a:pPr>
-            <a:r>
-              <a:rPr lang="es-ES" sz="1800" b="1" dirty="0" smtClean="0"/>
-              <a:t>Centro nativo </a:t>
-            </a:r>
-            <a:r>
-              <a:rPr lang="es-ES" sz="1800" b="1" dirty="0" smtClean="0">
-                <a:sym typeface="Wingdings" pitchFamily="2" charset="2"/>
+              <a:t>directivas</a:t>
+            </a:r>
+            <a:r>
+              <a:rPr lang="es-ES" sz="1600" dirty="0" smtClean="0"/>
+              <a:t>, </a:t>
+            </a:r>
+            <a:r>
+              <a:rPr lang="es-ES" sz="1600" dirty="0" smtClean="0">
+                <a:hlinkClick r:id="rId3" tooltip="Consumir datos con factorías y servicios en AngularJS"/>
               </a:rPr>
-              <a:t></a:t>
-            </a:r>
-            <a:r>
-              <a:rPr lang="es-ES" sz="1800" dirty="0" smtClean="0"/>
-              <a:t>herramienta para desarrollo </a:t>
-            </a:r>
-            <a:r>
-              <a:rPr lang="es-ES" sz="1800" dirty="0" smtClean="0">
-                <a:solidFill>
-                  <a:schemeClr val="accent1">
-                    <a:lumMod val="75000"/>
-                  </a:schemeClr>
-                </a:solidFill>
+              <a:t>factorías</a:t>
+            </a:r>
+            <a:r>
+              <a:rPr lang="es-ES" sz="1600" dirty="0" smtClean="0"/>
+              <a:t> o </a:t>
+            </a:r>
+            <a:r>
+              <a:rPr lang="es-ES" sz="1600" dirty="0" smtClean="0">
+                <a:hlinkClick r:id="rId4" tooltip="Consumir json con AngularJS con $resources y $http"/>
               </a:rPr>
-              <a:t>código único y compilación múltiple</a:t>
-            </a:r>
-            <a:r>
-              <a:rPr lang="es-ES" sz="1800" dirty="0" smtClean="0"/>
-              <a:t>, se modela a partir de los SDK nativos - amigable a desarrolladores que ya han trabajado en aplicaciones nativas para </a:t>
-            </a:r>
-            <a:r>
-              <a:rPr lang="es-ES" sz="1800" dirty="0" err="1" smtClean="0"/>
-              <a:t>iOS</a:t>
-            </a:r>
-            <a:r>
-              <a:rPr lang="es-ES" sz="1800" dirty="0" smtClean="0"/>
-              <a:t> o </a:t>
-            </a:r>
-            <a:r>
-              <a:rPr lang="es-ES" sz="1800" dirty="0" err="1" smtClean="0"/>
-              <a:t>Android</a:t>
-            </a:r>
-            <a:r>
-              <a:rPr lang="es-ES" sz="1800" dirty="0" smtClean="0"/>
-              <a:t>.</a:t>
-            </a:r>
-          </a:p>
-          <a:p>
-            <a:pPr>
-              <a:lnSpc>
-                <a:spcPct val="150000"/>
-              </a:lnSpc>
-            </a:pPr>
-            <a:r>
-              <a:rPr lang="es-ES" sz="1800" b="1" dirty="0" smtClean="0"/>
-              <a:t>Diseño elegante </a:t>
-            </a:r>
-            <a:r>
-              <a:rPr lang="es-ES" sz="1800" b="1" dirty="0" smtClean="0">
-                <a:sym typeface="Wingdings" pitchFamily="2" charset="2"/>
-              </a:rPr>
-              <a:t> </a:t>
-            </a:r>
-            <a:r>
-              <a:rPr lang="es-ES" sz="1800" dirty="0" smtClean="0"/>
-              <a:t>trabajar y </a:t>
-            </a:r>
-            <a:r>
-              <a:rPr lang="es-ES" sz="1800" dirty="0" smtClean="0">
-                <a:solidFill>
-                  <a:schemeClr val="accent1">
-                    <a:lumMod val="75000"/>
-                  </a:schemeClr>
-                </a:solidFill>
-              </a:rPr>
-              <a:t>aprovechar todas las capacidades del terminal móvil</a:t>
-            </a:r>
-            <a:r>
-              <a:rPr lang="es-ES" sz="1800" dirty="0" smtClean="0"/>
-              <a:t>, a través de infinidad de potentes </a:t>
-            </a:r>
-            <a:r>
-              <a:rPr lang="es-ES" sz="1800" dirty="0" err="1" smtClean="0"/>
-              <a:t>plugins</a:t>
-            </a:r>
-            <a:r>
-              <a:rPr lang="es-ES" sz="1800" dirty="0" smtClean="0"/>
-              <a:t> (</a:t>
-            </a:r>
-            <a:r>
-              <a:rPr lang="es-ES" sz="1800" dirty="0" err="1" smtClean="0"/>
-              <a:t>pripios</a:t>
-            </a:r>
-            <a:r>
-              <a:rPr lang="es-ES" sz="1800" dirty="0" smtClean="0"/>
-              <a:t> y </a:t>
-            </a:r>
-            <a:r>
-              <a:rPr lang="es-ES" sz="1800" dirty="0" err="1" smtClean="0"/>
-              <a:t>plugins</a:t>
-            </a:r>
-            <a:r>
-              <a:rPr lang="es-ES" sz="1800" dirty="0" smtClean="0"/>
-              <a:t> Cordova)</a:t>
-            </a:r>
-          </a:p>
-          <a:p>
-            <a:pPr>
-              <a:lnSpc>
-                <a:spcPct val="150000"/>
-              </a:lnSpc>
-            </a:pPr>
-            <a:r>
-              <a:rPr lang="es-ES" sz="1600" b="1" dirty="0" smtClean="0"/>
-              <a:t>Potente CLI </a:t>
-            </a:r>
-            <a:r>
-              <a:rPr lang="es-ES" sz="1600" b="1" dirty="0" smtClean="0">
-                <a:sym typeface="Wingdings" pitchFamily="2" charset="2"/>
-              </a:rPr>
-              <a:t> a </a:t>
-            </a:r>
-            <a:r>
-              <a:rPr lang="es-ES" sz="1800" dirty="0" smtClean="0"/>
-              <a:t>partir de un único comando permite </a:t>
-            </a:r>
-            <a:r>
-              <a:rPr lang="es-ES" sz="1800" dirty="0" smtClean="0">
-                <a:solidFill>
-                  <a:schemeClr val="accent1">
-                    <a:lumMod val="75000"/>
-                  </a:schemeClr>
-                </a:solidFill>
-              </a:rPr>
-              <a:t>crear, construir, probar y compilar</a:t>
-            </a:r>
-            <a:r>
-              <a:rPr lang="es-ES" sz="1800" dirty="0" smtClean="0"/>
-              <a:t> aplicaciones en cualquier plataforma.</a:t>
-            </a:r>
-            <a:endParaRPr lang="es-ES" sz="1800" b="1" dirty="0" smtClean="0"/>
+              <a:t>servicios</a:t>
+            </a:r>
+            <a:r>
+              <a:rPr lang="es-ES" sz="1600" dirty="0" smtClean="0"/>
+              <a:t>, que permite trabajar con el máximo potencial, lo que asegura aplicaciones rápidas y escalables</a:t>
+            </a:r>
+          </a:p>
+          <a:p>
+            <a:endParaRPr lang="es-ES" sz="1800" b="1" dirty="0">
+              <a:solidFill>
+                <a:schemeClr val="accent2">
+                  <a:lumMod val="75000"/>
+                </a:schemeClr>
+              </a:solidFill>
+            </a:endParaRPr>
           </a:p>
         </p:txBody>
       </p:sp>
@@ -4707,6 +4510,351 @@
       </p:grpSpPr>
       <p:sp>
         <p:nvSpPr>
+          <p:cNvPr id="4" name="3 Título"/>
+          <p:cNvSpPr>
+            <a:spLocks noGrp="1"/>
+          </p:cNvSpPr>
+          <p:nvPr>
+            <p:ph type="title"/>
+          </p:nvPr>
+        </p:nvSpPr>
+        <p:spPr>
+          <a:xfrm>
+            <a:off x="467544" y="476672"/>
+            <a:ext cx="8229600" cy="866360"/>
+          </a:xfrm>
+        </p:spPr>
+        <p:txBody>
+          <a:bodyPr>
+            <a:normAutofit/>
+          </a:bodyPr>
+          <a:lstStyle/>
+          <a:p>
+            <a:r>
+              <a:rPr lang="es-ES" sz="4500" dirty="0" smtClean="0"/>
+              <a:t>Principales características</a:t>
+            </a:r>
+            <a:endParaRPr lang="es-ES" sz="4500" dirty="0"/>
+          </a:p>
+        </p:txBody>
+      </p:sp>
+      <p:sp>
+        <p:nvSpPr>
+          <p:cNvPr id="5" name="4 Marcador de contenido"/>
+          <p:cNvSpPr>
+            <a:spLocks noGrp="1"/>
+          </p:cNvSpPr>
+          <p:nvPr>
+            <p:ph idx="1"/>
+          </p:nvPr>
+        </p:nvSpPr>
+        <p:spPr>
+          <a:xfrm>
+            <a:off x="457200" y="1412776"/>
+            <a:ext cx="8229600" cy="4824536"/>
+          </a:xfrm>
+        </p:spPr>
+        <p:txBody>
+          <a:bodyPr>
+            <a:normAutofit lnSpcReduction="10000"/>
+          </a:bodyPr>
+          <a:lstStyle/>
+          <a:p>
+            <a:pPr>
+              <a:lnSpc>
+                <a:spcPct val="150000"/>
+              </a:lnSpc>
+            </a:pPr>
+            <a:r>
+              <a:rPr lang="es-ES" sz="1800" b="1" dirty="0" smtClean="0"/>
+              <a:t>Alto rendimiento </a:t>
+            </a:r>
+            <a:r>
+              <a:rPr lang="es-ES" sz="1800" b="1" dirty="0" smtClean="0">
+                <a:sym typeface="Wingdings" pitchFamily="2" charset="2"/>
+              </a:rPr>
+              <a:t> </a:t>
+            </a:r>
+            <a:r>
+              <a:rPr lang="es-ES" sz="1800" dirty="0" smtClean="0"/>
+              <a:t>mínima manipulación del DOM, con cero </a:t>
+            </a:r>
+            <a:r>
+              <a:rPr lang="es-ES" sz="1800" dirty="0" err="1" smtClean="0"/>
+              <a:t>jQuery</a:t>
+            </a:r>
+            <a:r>
+              <a:rPr lang="es-ES" sz="1800" dirty="0" smtClean="0"/>
+              <a:t> y transiciones aceleradas por hardware, </a:t>
+            </a:r>
+            <a:r>
+              <a:rPr lang="es-ES" sz="1800" dirty="0" smtClean="0">
+                <a:solidFill>
+                  <a:schemeClr val="accent1">
+                    <a:lumMod val="75000"/>
+                  </a:schemeClr>
+                </a:solidFill>
+              </a:rPr>
+              <a:t>rápido</a:t>
+            </a:r>
+            <a:r>
+              <a:rPr lang="es-ES" sz="1800" dirty="0" smtClean="0"/>
+              <a:t> y trasladar esta rapidez a sus </a:t>
+            </a:r>
+            <a:r>
+              <a:rPr lang="es-ES" sz="1800" dirty="0" err="1" smtClean="0"/>
+              <a:t>apps</a:t>
+            </a:r>
+            <a:r>
+              <a:rPr lang="es-ES" sz="1800" dirty="0" smtClean="0"/>
+              <a:t>.</a:t>
+            </a:r>
+          </a:p>
+          <a:p>
+            <a:pPr>
+              <a:lnSpc>
+                <a:spcPct val="150000"/>
+              </a:lnSpc>
+            </a:pPr>
+            <a:r>
+              <a:rPr lang="es-ES" sz="1800" b="1" dirty="0" err="1" smtClean="0"/>
+              <a:t>AngularJS</a:t>
+            </a:r>
+            <a:r>
+              <a:rPr lang="es-ES" sz="1800" b="1" dirty="0" smtClean="0"/>
+              <a:t> &amp; </a:t>
+            </a:r>
+            <a:r>
+              <a:rPr lang="es-ES" sz="1800" b="1" dirty="0" err="1" smtClean="0"/>
+              <a:t>Ionic</a:t>
+            </a:r>
+            <a:r>
+              <a:rPr lang="es-ES" sz="1800" b="1" dirty="0" smtClean="0"/>
+              <a:t> </a:t>
+            </a:r>
+            <a:r>
+              <a:rPr lang="es-ES" sz="1800" b="1" dirty="0" smtClean="0">
+                <a:sym typeface="Wingdings" pitchFamily="2" charset="2"/>
+              </a:rPr>
+              <a:t> </a:t>
+            </a:r>
+            <a:r>
+              <a:rPr lang="es-ES" sz="1800" dirty="0" smtClean="0"/>
+              <a:t>hace que </a:t>
+            </a:r>
+            <a:r>
+              <a:rPr lang="es-ES" sz="1800" dirty="0" err="1" smtClean="0"/>
+              <a:t>Ionic</a:t>
+            </a:r>
+            <a:r>
+              <a:rPr lang="es-ES" sz="1800" dirty="0" smtClean="0"/>
+              <a:t> presente una </a:t>
+            </a:r>
+            <a:r>
+              <a:rPr lang="es-ES" sz="1800" dirty="0" smtClean="0">
+                <a:solidFill>
+                  <a:schemeClr val="accent1">
+                    <a:lumMod val="75000"/>
+                  </a:schemeClr>
+                </a:solidFill>
+              </a:rPr>
+              <a:t>arquitectura central robusta</a:t>
+            </a:r>
+            <a:r>
+              <a:rPr lang="es-ES" sz="1800" dirty="0" smtClean="0"/>
+              <a:t> y profesional para el desarrollo de aplicaciones, ricas y robustas.</a:t>
+            </a:r>
+          </a:p>
+          <a:p>
+            <a:pPr>
+              <a:lnSpc>
+                <a:spcPct val="150000"/>
+              </a:lnSpc>
+            </a:pPr>
+            <a:r>
+              <a:rPr lang="es-ES" sz="1800" b="1" dirty="0" smtClean="0"/>
+              <a:t>Centro nativo </a:t>
+            </a:r>
+            <a:r>
+              <a:rPr lang="es-ES" sz="1800" b="1" dirty="0" smtClean="0">
+                <a:sym typeface="Wingdings" pitchFamily="2" charset="2"/>
+              </a:rPr>
+              <a:t></a:t>
+            </a:r>
+            <a:r>
+              <a:rPr lang="es-ES" sz="1800" dirty="0" smtClean="0"/>
+              <a:t>herramienta para desarrollo </a:t>
+            </a:r>
+            <a:r>
+              <a:rPr lang="es-ES" sz="1800" dirty="0" smtClean="0">
+                <a:solidFill>
+                  <a:schemeClr val="accent1">
+                    <a:lumMod val="75000"/>
+                  </a:schemeClr>
+                </a:solidFill>
+              </a:rPr>
+              <a:t>código único y compilación múltiple</a:t>
+            </a:r>
+            <a:r>
+              <a:rPr lang="es-ES" sz="1800" dirty="0" smtClean="0"/>
+              <a:t>, se modela a partir de los SDK nativos - amigable a desarrolladores que ya han trabajado en aplicaciones nativas para </a:t>
+            </a:r>
+            <a:r>
+              <a:rPr lang="es-ES" sz="1800" dirty="0" err="1" smtClean="0"/>
+              <a:t>iOS</a:t>
+            </a:r>
+            <a:r>
+              <a:rPr lang="es-ES" sz="1800" dirty="0" smtClean="0"/>
+              <a:t> o </a:t>
+            </a:r>
+            <a:r>
+              <a:rPr lang="es-ES" sz="1800" dirty="0" err="1" smtClean="0"/>
+              <a:t>Android</a:t>
+            </a:r>
+            <a:r>
+              <a:rPr lang="es-ES" sz="1800" dirty="0" smtClean="0"/>
+              <a:t>.</a:t>
+            </a:r>
+          </a:p>
+          <a:p>
+            <a:pPr>
+              <a:lnSpc>
+                <a:spcPct val="150000"/>
+              </a:lnSpc>
+            </a:pPr>
+            <a:r>
+              <a:rPr lang="es-ES" sz="1800" b="1" dirty="0" smtClean="0"/>
+              <a:t>Diseño elegante </a:t>
+            </a:r>
+            <a:r>
+              <a:rPr lang="es-ES" sz="1800" b="1" dirty="0" smtClean="0">
+                <a:sym typeface="Wingdings" pitchFamily="2" charset="2"/>
+              </a:rPr>
+              <a:t> </a:t>
+            </a:r>
+            <a:r>
+              <a:rPr lang="es-ES" sz="1800" dirty="0" smtClean="0"/>
+              <a:t>trabajar y </a:t>
+            </a:r>
+            <a:r>
+              <a:rPr lang="es-ES" sz="1800" dirty="0" smtClean="0">
+                <a:solidFill>
+                  <a:schemeClr val="accent1">
+                    <a:lumMod val="75000"/>
+                  </a:schemeClr>
+                </a:solidFill>
+              </a:rPr>
+              <a:t>aprovechar todas las capacidades del terminal móvil</a:t>
+            </a:r>
+            <a:r>
+              <a:rPr lang="es-ES" sz="1800" dirty="0" smtClean="0"/>
+              <a:t>, a través de infinidad de potentes </a:t>
+            </a:r>
+            <a:r>
+              <a:rPr lang="es-ES" sz="1800" dirty="0" err="1" smtClean="0"/>
+              <a:t>plugins</a:t>
+            </a:r>
+            <a:r>
+              <a:rPr lang="es-ES" sz="1800" dirty="0" smtClean="0"/>
+              <a:t> (</a:t>
+            </a:r>
+            <a:r>
+              <a:rPr lang="es-ES" sz="1800" dirty="0" err="1" smtClean="0"/>
+              <a:t>pripios</a:t>
+            </a:r>
+            <a:r>
+              <a:rPr lang="es-ES" sz="1800" dirty="0" smtClean="0"/>
+              <a:t> y </a:t>
+            </a:r>
+            <a:r>
+              <a:rPr lang="es-ES" sz="1800" dirty="0" err="1" smtClean="0"/>
+              <a:t>plugins</a:t>
+            </a:r>
+            <a:r>
+              <a:rPr lang="es-ES" sz="1800" dirty="0" smtClean="0"/>
+              <a:t> </a:t>
+            </a:r>
+            <a:r>
+              <a:rPr lang="es-ES" sz="1800" dirty="0" err="1" smtClean="0"/>
+              <a:t>Cordova</a:t>
+            </a:r>
+            <a:r>
+              <a:rPr lang="es-ES" sz="1800" dirty="0" smtClean="0"/>
+              <a:t>)</a:t>
+            </a:r>
+          </a:p>
+          <a:p>
+            <a:pPr>
+              <a:lnSpc>
+                <a:spcPct val="150000"/>
+              </a:lnSpc>
+            </a:pPr>
+            <a:r>
+              <a:rPr lang="es-ES" sz="1600" b="1" dirty="0" smtClean="0"/>
+              <a:t>Potente CLI </a:t>
+            </a:r>
+            <a:r>
+              <a:rPr lang="es-ES" sz="1600" b="1" dirty="0" smtClean="0">
+                <a:sym typeface="Wingdings" pitchFamily="2" charset="2"/>
+              </a:rPr>
+              <a:t> a </a:t>
+            </a:r>
+            <a:r>
+              <a:rPr lang="es-ES" sz="1800" dirty="0" smtClean="0"/>
+              <a:t>partir de un único comando permite </a:t>
+            </a:r>
+            <a:r>
+              <a:rPr lang="es-ES" sz="1800" dirty="0" smtClean="0">
+                <a:solidFill>
+                  <a:schemeClr val="accent1">
+                    <a:lumMod val="75000"/>
+                  </a:schemeClr>
+                </a:solidFill>
+              </a:rPr>
+              <a:t>crear, construir, probar y compilar</a:t>
+            </a:r>
+            <a:r>
+              <a:rPr lang="es-ES" sz="1800" dirty="0" smtClean="0"/>
+              <a:t> aplicaciones en cualquier plataforma.</a:t>
+            </a:r>
+            <a:endParaRPr lang="es-ES" sz="1800" b="1" dirty="0" smtClean="0"/>
+          </a:p>
+        </p:txBody>
+      </p:sp>
+    </p:spTree>
+  </p:cSld>
+  <p:clrMapOvr>
+    <a:masterClrMapping/>
+  </p:clrMapOvr>
+  <p:timing>
+    <p:tnLst>
+      <p:par>
+        <p:cTn id="1" dur="indefinite" restart="never" nodeType="tmRoot"/>
+      </p:par>
+    </p:tnLst>
+  </p:timing>
+</p:sld>
+</file>
+
+<file path=ppt/slides/slide6.xml><?xml version="1.0" encoding="utf-8"?>
+<p:sld xmlns:a="http://schemas.openxmlformats.org/drawingml/2006/main" xmlns:r="http://schemas.openxmlformats.org/officeDocument/2006/relationships" xmlns:p="http://schemas.openxmlformats.org/presentationml/2006/main">
+  <p:cSld>
+    <p:spTree>
+      <p:nvGrpSpPr>
+        <p:cNvPr id="1" name=""/>
+        <p:cNvGrpSpPr/>
+        <p:nvPr/>
+      </p:nvGrpSpPr>
+      <p:grpSpPr>
+        <a:xfrm>
+          <a:off x="0" y="0"/>
+          <a:ext cx="0" cy="0"/>
+          <a:chOff x="0" y="0"/>
+          <a:chExt cx="0" cy="0"/>
+        </a:xfrm>
+      </p:grpSpPr>
+      <p:sp>
+        <p:nvSpPr>
           <p:cNvPr id="2" name="1 Título"/>
           <p:cNvSpPr>
             <a:spLocks noGrp="1"/>
@@ -4730,7 +4878,11 @@
             <a:pPr algn="ctr"/>
             <a:r>
               <a:rPr lang="es-ES" dirty="0" smtClean="0"/>
-              <a:t>Descripción de las tecnologías: Apache Cordova</a:t>
+              <a:t>Descripción de las tecnologías: Apache </a:t>
+            </a:r>
+            <a:r>
+              <a:rPr lang="es-ES" dirty="0" err="1" smtClean="0"/>
+              <a:t>Cordova</a:t>
             </a:r>
             <a:endParaRPr lang="es-ES" dirty="0"/>
           </a:p>
@@ -4774,7 +4926,7 @@
 </p:sld>
 </file>
 
-<file path=ppt/slides/slide6.xml><?xml version="1.0" encoding="utf-8"?>
+<file path=ppt/slides/slide7.xml><?xml version="1.0" encoding="utf-8"?>
 <p:sld xmlns:a="http://schemas.openxmlformats.org/drawingml/2006/main" xmlns:r="http://schemas.openxmlformats.org/officeDocument/2006/relationships" xmlns:p="http://schemas.openxmlformats.org/presentationml/2006/main">
   <p:cSld>
     <p:spTree>
@@ -4815,7 +4967,11 @@
           <a:p>
             <a:r>
               <a:rPr lang="es-ES" dirty="0" smtClean="0"/>
-              <a:t>Apache Cordova</a:t>
+              <a:t>Apache </a:t>
+            </a:r>
+            <a:r>
+              <a:rPr lang="es-ES" dirty="0" err="1" smtClean="0"/>
+              <a:t>Cordova</a:t>
             </a:r>
             <a:endParaRPr lang="es-ES" dirty="0"/>
           </a:p>
@@ -4894,7 +5050,7 @@
 </p:sld>
 </file>
 
-<file path=ppt/slides/slide7.xml><?xml version="1.0" encoding="utf-8"?>
+<file path=ppt/slides/slide8.xml><?xml version="1.0" encoding="utf-8"?>
 <p:sld xmlns:a="http://schemas.openxmlformats.org/drawingml/2006/main" xmlns:r="http://schemas.openxmlformats.org/officeDocument/2006/relationships" xmlns:p="http://schemas.openxmlformats.org/presentationml/2006/main">
   <p:cSld>
     <p:spTree>
@@ -5009,7 +5165,7 @@
 </p:sld>
 </file>
 
-<file path=ppt/slides/slide8.xml><?xml version="1.0" encoding="utf-8"?>
+<file path=ppt/slides/slide9.xml><?xml version="1.0" encoding="utf-8"?>
 <p:sld xmlns:a="http://schemas.openxmlformats.org/drawingml/2006/main" xmlns:r="http://schemas.openxmlformats.org/officeDocument/2006/relationships" xmlns:p="http://schemas.openxmlformats.org/presentationml/2006/main">
   <p:cSld>
     <p:spTree>
@@ -5050,7 +5206,11 @@
           <a:p>
             <a:r>
               <a:rPr lang="es-ES" dirty="0" smtClean="0"/>
-              <a:t>Apache Cordova</a:t>
+              <a:t>Apache </a:t>
+            </a:r>
+            <a:r>
+              <a:rPr lang="es-ES" dirty="0" err="1" smtClean="0"/>
+              <a:t>Cordova</a:t>
             </a:r>
             <a:endParaRPr lang="es-ES" dirty="0"/>
           </a:p>
@@ -5161,7 +5321,15 @@
             </a:r>
             <a:r>
               <a:rPr lang="es-ES" sz="1800" dirty="0" smtClean="0"/>
-              <a:t>interfaz Cordova - componentes nativos dispositivo.</a:t>
+              <a:t>interfaz </a:t>
+            </a:r>
+            <a:r>
+              <a:rPr lang="es-ES" sz="1800" dirty="0" err="1" smtClean="0"/>
+              <a:t>Cordova</a:t>
+            </a:r>
+            <a:r>
+              <a:rPr lang="es-ES" sz="1800" dirty="0" smtClean="0"/>
+              <a:t> - componentes nativos dispositivo.</a:t>
             </a:r>
           </a:p>
           <a:p>
@@ -5203,7 +5371,15 @@
             </a:r>
             <a:r>
               <a:rPr lang="es-ES" sz="1600" dirty="0" smtClean="0"/>
-              <a:t>: se centra en torno la CLI Cordova, herramienta de alto nivel para construir proyectos multiplataforma abstrayéndose de funcionalidad de nivel inferior.</a:t>
+              <a:t>: se centra en torno la CLI </a:t>
+            </a:r>
+            <a:r>
+              <a:rPr lang="es-ES" sz="1600" dirty="0" err="1" smtClean="0"/>
+              <a:t>Cordova</a:t>
+            </a:r>
+            <a:r>
+              <a:rPr lang="es-ES" sz="1600" dirty="0" smtClean="0"/>
+              <a:t>, herramienta de alto nivel para construir proyectos multiplataforma abstrayéndose de funcionalidad de nivel inferior.</a:t>
             </a:r>
           </a:p>
           <a:p>
